--- a/topic-09-Handlebars-1/talk-1/talk-1.pptx
+++ b/topic-09-Handlebars-1/talk-1/talk-1.pptx
@@ -5,7 +5,7 @@
     <p:sldMasterId id="2147483660" r:id="rId1"/>
   </p:sldMasterIdLst>
   <p:notesMasterIdLst>
-    <p:notesMasterId r:id="rId17"/>
+    <p:notesMasterId r:id="rId19"/>
   </p:notesMasterIdLst>
   <p:sldIdLst>
     <p:sldId id="263" r:id="rId2"/>
@@ -23,6 +23,8 @@
     <p:sldId id="282" r:id="rId14"/>
     <p:sldId id="283" r:id="rId15"/>
     <p:sldId id="284" r:id="rId16"/>
+    <p:sldId id="287" r:id="rId17"/>
+    <p:sldId id="288" r:id="rId18"/>
   </p:sldIdLst>
   <p:sldSz cx="9144000" cy="6858000" type="screen4x3"/>
   <p:notesSz cx="6858000" cy="9144000"/>
@@ -206,7 +208,7 @@
           <a:p>
             <a:fld id="{8E4749A1-1354-4B31-A959-BEB02DA56C1D}" type="datetimeFigureOut">
               <a:rPr lang="en-US" smtClean="0"/>
-              <a:t>4/4/2018</a:t>
+              <a:t>4/7/2018</a:t>
             </a:fld>
             <a:endParaRPr lang="en-US"/>
           </a:p>
@@ -1776,7 +1778,7 @@
                 </a:solidFill>
               </a:rPr>
               <a:pPr/>
-              <a:t>4/4/2018</a:t>
+              <a:t>4/7/2018</a:t>
             </a:fld>
             <a:endParaRPr lang="en-US">
               <a:solidFill>
@@ -2085,7 +2087,7 @@
                 </a:solidFill>
               </a:rPr>
               <a:pPr/>
-              <a:t>4/4/2018</a:t>
+              <a:t>4/7/2018</a:t>
             </a:fld>
             <a:endParaRPr lang="en-US">
               <a:solidFill>
@@ -2302,7 +2304,7 @@
                 </a:solidFill>
               </a:rPr>
               <a:pPr/>
-              <a:t>4/4/2018</a:t>
+              <a:t>4/7/2018</a:t>
             </a:fld>
             <a:endParaRPr lang="en-US">
               <a:solidFill>
@@ -2509,7 +2511,7 @@
                 </a:solidFill>
               </a:rPr>
               <a:pPr/>
-              <a:t>4/4/2018</a:t>
+              <a:t>4/7/2018</a:t>
             </a:fld>
             <a:endParaRPr lang="en-US">
               <a:solidFill>
@@ -3139,7 +3141,7 @@
                 </a:solidFill>
               </a:rPr>
               <a:pPr/>
-              <a:t>4/4/2018</a:t>
+              <a:t>4/7/2018</a:t>
             </a:fld>
             <a:endParaRPr lang="en-US">
               <a:solidFill>
@@ -4970,7 +4972,7 @@
                 </a:solidFill>
               </a:rPr>
               <a:pPr/>
-              <a:t>4/4/2018</a:t>
+              <a:t>4/7/2018</a:t>
             </a:fld>
             <a:endParaRPr lang="en-US">
               <a:solidFill>
@@ -5059,7 +5061,7 @@
   </p:clrMapOvr>
   <p:extLst mod="1">
     <p:ext uri="{DCECCB84-F9BA-43D5-87BE-67443E8EF086}">
-      <p15:sldGuideLst xmlns="" xmlns:p15="http://schemas.microsoft.com/office/powerpoint/2012/main"/>
+      <p15:sldGuideLst xmlns:p15="http://schemas.microsoft.com/office/powerpoint/2012/main" xmlns=""/>
     </p:ext>
   </p:extLst>
 </p:sldLayout>
@@ -5397,7 +5399,7 @@
                 </a:solidFill>
               </a:rPr>
               <a:pPr/>
-              <a:t>4/4/2018</a:t>
+              <a:t>4/7/2018</a:t>
             </a:fld>
             <a:endParaRPr lang="en-US">
               <a:solidFill>
@@ -5486,7 +5488,7 @@
   </p:clrMapOvr>
   <p:extLst mod="1">
     <p:ext uri="{DCECCB84-F9BA-43D5-87BE-67443E8EF086}">
-      <p15:sldGuideLst xmlns="" xmlns:p15="http://schemas.microsoft.com/office/powerpoint/2012/main"/>
+      <p15:sldGuideLst xmlns:p15="http://schemas.microsoft.com/office/powerpoint/2012/main" xmlns=""/>
     </p:ext>
   </p:extLst>
 </p:sldLayout>
@@ -5557,7 +5559,7 @@
                 </a:solidFill>
               </a:rPr>
               <a:pPr/>
-              <a:t>4/4/2018</a:t>
+              <a:t>4/7/2018</a:t>
             </a:fld>
             <a:endParaRPr lang="en-US">
               <a:solidFill>
@@ -5689,7 +5691,7 @@
                 </a:solidFill>
               </a:rPr>
               <a:pPr/>
-              <a:t>4/4/2018</a:t>
+              <a:t>4/7/2018</a:t>
             </a:fld>
             <a:endParaRPr lang="en-US">
               <a:solidFill>
@@ -6491,7 +6493,7 @@
                 </a:solidFill>
               </a:rPr>
               <a:pPr/>
-              <a:t>4/4/2018</a:t>
+              <a:t>4/7/2018</a:t>
             </a:fld>
             <a:endParaRPr lang="en-US">
               <a:solidFill>
@@ -6666,7 +6668,7 @@
   </p:clrMapOvr>
   <p:extLst mod="1">
     <p:ext uri="{DCECCB84-F9BA-43D5-87BE-67443E8EF086}">
-      <p15:sldGuideLst xmlns="" xmlns:p15="http://schemas.microsoft.com/office/powerpoint/2012/main">
+      <p15:sldGuideLst xmlns:p15="http://schemas.microsoft.com/office/powerpoint/2012/main" xmlns="">
         <p15:guide id="1" orient="horz" pos="696">
           <p15:clr>
             <a:srgbClr val="FBAE40"/>
@@ -7408,7 +7410,7 @@
                 </a:solidFill>
               </a:rPr>
               <a:pPr/>
-              <a:t>4/4/2018</a:t>
+              <a:t>4/7/2018</a:t>
             </a:fld>
             <a:endParaRPr lang="en-US">
               <a:solidFill>
@@ -7710,7 +7712,7 @@
                 </a:solidFill>
               </a:rPr>
               <a:pPr/>
-              <a:t>4/4/2018</a:t>
+              <a:t>4/7/2018</a:t>
             </a:fld>
             <a:endParaRPr lang="en-US">
               <a:solidFill>
@@ -8357,7 +8359,7 @@
   </p:txStyles>
   <p:extLst mod="1">
     <p:ext uri="{27BBF7A9-308A-43DC-89C8-2F10F3537804}">
-      <p15:sldGuideLst xmlns="" xmlns:p15="http://schemas.microsoft.com/office/powerpoint/2012/main">
+      <p15:sldGuideLst xmlns:p15="http://schemas.microsoft.com/office/powerpoint/2012/main" xmlns="">
         <p15:guide id="1" pos="792">
           <p15:clr>
             <a:srgbClr val="F26B43"/>
@@ -8528,6 +8530,13 @@
   <p:clrMapOvr>
     <a:masterClrMapping/>
   </p:clrMapOvr>
+  <p:timing>
+    <p:tnLst>
+      <p:par>
+        <p:cTn id="1" dur="indefinite" restart="never" nodeType="tmRoot"/>
+      </p:par>
+    </p:tnLst>
+  </p:timing>
 </p:sld>
 </file>
 
@@ -9688,6 +9697,225 @@
 </p:sld>
 </file>
 
+<file path=ppt/slides/slide16.xml><?xml version="1.0" encoding="utf-8"?>
+<p:sld xmlns:a="http://schemas.openxmlformats.org/drawingml/2006/main" xmlns:r="http://schemas.openxmlformats.org/officeDocument/2006/relationships" xmlns:p="http://schemas.openxmlformats.org/presentationml/2006/main">
+  <p:cSld>
+    <p:spTree>
+      <p:nvGrpSpPr>
+        <p:cNvPr id="1" name=""/>
+        <p:cNvGrpSpPr/>
+        <p:nvPr/>
+      </p:nvGrpSpPr>
+      <p:grpSpPr>
+        <a:xfrm>
+          <a:off x="0" y="0"/>
+          <a:ext cx="0" cy="0"/>
+          <a:chOff x="0" y="0"/>
+          <a:chExt cx="0" cy="0"/>
+        </a:xfrm>
+      </p:grpSpPr>
+      <p:sp>
+        <p:nvSpPr>
+          <p:cNvPr id="2" name="Title 1"/>
+          <p:cNvSpPr>
+            <a:spLocks noGrp="1"/>
+          </p:cNvSpPr>
+          <p:nvPr>
+            <p:ph type="title"/>
+          </p:nvPr>
+        </p:nvSpPr>
+        <p:spPr/>
+        <p:txBody>
+          <a:bodyPr/>
+          <a:lstStyle/>
+          <a:p>
+            <a:r>
+              <a:rPr lang="en-US" dirty="0" smtClean="0"/>
+              <a:t>Example (From a Book)</a:t>
+            </a:r>
+            <a:endParaRPr lang="en-US" dirty="0"/>
+          </a:p>
+        </p:txBody>
+      </p:sp>
+      <p:pic>
+        <p:nvPicPr>
+          <p:cNvPr id="4" name="Content Placeholder 3"/>
+          <p:cNvPicPr>
+            <a:picLocks noGrp="1" noChangeAspect="1"/>
+          </p:cNvPicPr>
+          <p:nvPr>
+            <p:ph idx="1"/>
+          </p:nvPr>
+        </p:nvPicPr>
+        <p:blipFill>
+          <a:blip r:embed="rId2">
+            <a:extLst>
+              <a:ext uri="{28A0092B-C50C-407E-A947-70E740481C1C}">
+                <a14:useLocalDpi xmlns:a14="http://schemas.microsoft.com/office/drawing/2010/main" val="0"/>
+              </a:ext>
+            </a:extLst>
+          </a:blip>
+          <a:stretch>
+            <a:fillRect/>
+          </a:stretch>
+        </p:blipFill>
+        <p:spPr>
+          <a:xfrm>
+            <a:off x="1066800" y="2133600"/>
+            <a:ext cx="7115670" cy="2817959"/>
+          </a:xfrm>
+        </p:spPr>
+      </p:pic>
+    </p:spTree>
+    <p:extLst>
+      <p:ext uri="{BB962C8B-B14F-4D97-AF65-F5344CB8AC3E}">
+        <p14:creationId xmlns:p14="http://schemas.microsoft.com/office/powerpoint/2010/main" val="2404211605"/>
+      </p:ext>
+    </p:extLst>
+  </p:cSld>
+  <p:clrMapOvr>
+    <a:masterClrMapping/>
+  </p:clrMapOvr>
+  <p:timing>
+    <p:tnLst>
+      <p:par>
+        <p:cTn id="1" dur="indefinite" restart="never" nodeType="tmRoot"/>
+      </p:par>
+    </p:tnLst>
+  </p:timing>
+</p:sld>
+</file>
+
+<file path=ppt/slides/slide17.xml><?xml version="1.0" encoding="utf-8"?>
+<p:sld xmlns:a="http://schemas.openxmlformats.org/drawingml/2006/main" xmlns:r="http://schemas.openxmlformats.org/officeDocument/2006/relationships" xmlns:p="http://schemas.openxmlformats.org/presentationml/2006/main">
+  <p:cSld>
+    <p:spTree>
+      <p:nvGrpSpPr>
+        <p:cNvPr id="1" name=""/>
+        <p:cNvGrpSpPr/>
+        <p:nvPr/>
+      </p:nvGrpSpPr>
+      <p:grpSpPr>
+        <a:xfrm>
+          <a:off x="0" y="0"/>
+          <a:ext cx="0" cy="0"/>
+          <a:chOff x="0" y="0"/>
+          <a:chExt cx="0" cy="0"/>
+        </a:xfrm>
+      </p:grpSpPr>
+      <p:sp>
+        <p:nvSpPr>
+          <p:cNvPr id="2" name="Title 1"/>
+          <p:cNvSpPr>
+            <a:spLocks noGrp="1"/>
+          </p:cNvSpPr>
+          <p:nvPr>
+            <p:ph type="title"/>
+          </p:nvPr>
+        </p:nvSpPr>
+        <p:spPr/>
+        <p:txBody>
+          <a:bodyPr>
+            <a:normAutofit fontScale="90000"/>
+          </a:bodyPr>
+          <a:lstStyle/>
+          <a:p>
+            <a:r>
+              <a:rPr lang="en-US" dirty="0" smtClean="0"/>
+              <a:t>Example (produced with handlebars &amp; </a:t>
+            </a:r>
+            <a:r>
+              <a:rPr lang="en-US" dirty="0" err="1" smtClean="0"/>
+              <a:t>Json</a:t>
+            </a:r>
+            <a:r>
+              <a:rPr lang="en-US" dirty="0"/>
+              <a:t> </a:t>
+            </a:r>
+            <a:r>
+              <a:rPr lang="en-US" dirty="0" smtClean="0"/>
+              <a:t>object)</a:t>
+            </a:r>
+            <a:endParaRPr lang="en-US" dirty="0"/>
+          </a:p>
+        </p:txBody>
+      </p:sp>
+      <p:pic>
+        <p:nvPicPr>
+          <p:cNvPr id="1026" name="Picture 2"/>
+          <p:cNvPicPr>
+            <a:picLocks noGrp="1" noChangeAspect="1" noChangeArrowheads="1"/>
+          </p:cNvPicPr>
+          <p:nvPr>
+            <p:ph idx="1"/>
+          </p:nvPr>
+        </p:nvPicPr>
+        <p:blipFill>
+          <a:blip r:embed="rId2">
+            <a:extLst>
+              <a:ext uri="{28A0092B-C50C-407E-A947-70E740481C1C}">
+                <a14:useLocalDpi xmlns:a14="http://schemas.microsoft.com/office/drawing/2010/main" val="0"/>
+              </a:ext>
+            </a:extLst>
+          </a:blip>
+          <a:srcRect/>
+          <a:stretch>
+            <a:fillRect/>
+          </a:stretch>
+        </p:blipFill>
+        <p:spPr bwMode="auto">
+          <a:xfrm>
+            <a:off x="1524000" y="2057400"/>
+            <a:ext cx="6062758" cy="2749550"/>
+          </a:xfrm>
+          <a:prstGeom prst="rect">
+            <a:avLst/>
+          </a:prstGeom>
+          <a:noFill/>
+          <a:ln>
+            <a:noFill/>
+          </a:ln>
+          <a:extLst>
+            <a:ext uri="{909E8E84-426E-40DD-AFC4-6F175D3DCCD1}">
+              <a14:hiddenFill xmlns:a14="http://schemas.microsoft.com/office/drawing/2010/main">
+                <a:solidFill>
+                  <a:schemeClr val="accent1"/>
+                </a:solidFill>
+              </a14:hiddenFill>
+            </a:ext>
+            <a:ext uri="{91240B29-F687-4F45-9708-019B960494DF}">
+              <a14:hiddenLine xmlns:a14="http://schemas.microsoft.com/office/drawing/2010/main" w="9525">
+                <a:solidFill>
+                  <a:schemeClr val="tx1"/>
+                </a:solidFill>
+                <a:miter lim="800000"/>
+                <a:headEnd/>
+                <a:tailEnd/>
+              </a14:hiddenLine>
+            </a:ext>
+          </a:extLst>
+        </p:spPr>
+      </p:pic>
+    </p:spTree>
+    <p:extLst>
+      <p:ext uri="{BB962C8B-B14F-4D97-AF65-F5344CB8AC3E}">
+        <p14:creationId xmlns:p14="http://schemas.microsoft.com/office/powerpoint/2010/main" val="367421249"/>
+      </p:ext>
+    </p:extLst>
+  </p:cSld>
+  <p:clrMapOvr>
+    <a:masterClrMapping/>
+  </p:clrMapOvr>
+  <p:timing>
+    <p:tnLst>
+      <p:par>
+        <p:cTn id="1" dur="indefinite" restart="never" nodeType="tmRoot"/>
+      </p:par>
+    </p:tnLst>
+  </p:timing>
+</p:sld>
+</file>
+
 <file path=ppt/slides/slide2.xml><?xml version="1.0" encoding="utf-8"?>
 <p:sld xmlns:a="http://schemas.openxmlformats.org/drawingml/2006/main" xmlns:r="http://schemas.openxmlformats.org/officeDocument/2006/relationships" xmlns:p="http://schemas.openxmlformats.org/presentationml/2006/main">
   <p:cSld>
@@ -9799,7 +10027,6 @@
               <a:rPr lang="en-US" sz="2400" dirty="0"/>
               <a:t>.</a:t>
             </a:r>
-            <a:endParaRPr lang="en-US" sz="2400" dirty="0"/>
           </a:p>
         </p:txBody>
       </p:sp>
@@ -10609,24 +10836,24 @@
         <p:spPr/>
         <p:txBody>
           <a:bodyPr>
-            <a:normAutofit/>
+            <a:normAutofit lnSpcReduction="10000"/>
           </a:bodyPr>
           <a:lstStyle/>
           <a:p>
             <a:r>
-              <a:rPr lang="en-US" dirty="0"/>
+              <a:rPr lang="en-US" sz="2400" dirty="0"/>
               <a:t>A context is a </a:t>
             </a:r>
             <a:r>
-              <a:rPr lang="en-US" dirty="0" err="1"/>
+              <a:rPr lang="en-US" sz="2400" dirty="0" err="1"/>
               <a:t>Javascript</a:t>
             </a:r>
             <a:r>
-              <a:rPr lang="en-US" dirty="0"/>
+              <a:rPr lang="en-US" sz="2400" dirty="0"/>
               <a:t> object used to populate </a:t>
             </a:r>
             <a:r>
-              <a:rPr lang="en-US" dirty="0" smtClean="0"/>
+              <a:rPr lang="en-US" sz="2400" dirty="0" smtClean="0"/>
               <a:t>a template</a:t>
             </a:r>
             <a:endParaRPr lang="en-US" dirty="0"/>
@@ -10859,15 +11086,15 @@
           <a:lstStyle/>
           <a:p>
             <a:r>
-              <a:rPr lang="en-US" dirty="0"/>
+              <a:rPr lang="en-US" sz="2400" dirty="0"/>
               <a:t>Templates are defined within a &lt;script&gt; </a:t>
             </a:r>
             <a:r>
-              <a:rPr lang="en-US" dirty="0" smtClean="0"/>
+              <a:rPr lang="en-US" sz="2400" dirty="0" smtClean="0"/>
               <a:t>tag or </a:t>
             </a:r>
             <a:r>
-              <a:rPr lang="en-US" dirty="0"/>
+              <a:rPr lang="en-US" sz="2400" dirty="0"/>
               <a:t>in external files</a:t>
             </a:r>
           </a:p>
@@ -11731,7 +11958,7 @@
   <a:extraClrSchemeLst/>
   <a:extLst>
     <a:ext uri="{05A4C25C-085E-4340-85A3-A5531E510DB2}">
-      <thm15:themeFamily xmlns="" xmlns:thm15="http://schemas.microsoft.com/office/thememl/2012/main" name="Badge" id="{71A07785-5930-41D4-9A83-E23602B48E98}" vid="{771EA782-DFA6-45B1-AEA3-661F1715B310}"/>
+      <thm15:themeFamily xmlns:thm15="http://schemas.microsoft.com/office/thememl/2012/main" xmlns="" name="Badge" id="{71A07785-5930-41D4-9A83-E23602B48E98}" vid="{771EA782-DFA6-45B1-AEA3-661F1715B310}"/>
     </a:ext>
   </a:extLst>
 </a:theme>
